--- a/outputs/legend_stud_presentation.pptx
+++ b/outputs/legend_stud_presentation.pptx
@@ -128,22 +128,30 @@
   <pc:docChgLst>
     <pc:chgData name="Andrew Baxter (student)" userId="b45e9002-b033-421d-a3d9-6d42475e9a3f" providerId="ADAL" clId="{1C999854-05C3-4ED6-AD88-FD76552E7B8C}"/>
     <pc:docChg chg="custSel modSld">
-      <pc:chgData name="Andrew Baxter (student)" userId="b45e9002-b033-421d-a3d9-6d42475e9a3f" providerId="ADAL" clId="{1C999854-05C3-4ED6-AD88-FD76552E7B8C}" dt="2019-10-28T15:35:31.831" v="0" actId="478"/>
+      <pc:chgData name="Andrew Baxter (student)" userId="b45e9002-b033-421d-a3d9-6d42475e9a3f" providerId="ADAL" clId="{1C999854-05C3-4ED6-AD88-FD76552E7B8C}" dt="2019-10-31T11:16:08.010" v="1" actId="478"/>
       <pc:docMkLst>
         <pc:docMk/>
       </pc:docMkLst>
       <pc:sldChg chg="delSp">
-        <pc:chgData name="Andrew Baxter (student)" userId="b45e9002-b033-421d-a3d9-6d42475e9a3f" providerId="ADAL" clId="{1C999854-05C3-4ED6-AD88-FD76552E7B8C}" dt="2019-10-28T15:35:31.831" v="0" actId="478"/>
+        <pc:chgData name="Andrew Baxter (student)" userId="b45e9002-b033-421d-a3d9-6d42475e9a3f" providerId="ADAL" clId="{1C999854-05C3-4ED6-AD88-FD76552E7B8C}" dt="2019-10-31T11:16:08.010" v="1" actId="478"/>
         <pc:sldMkLst>
           <pc:docMk/>
           <pc:sldMk cId="0" sldId="256"/>
         </pc:sldMkLst>
         <pc:spChg chg="del">
-          <ac:chgData name="Andrew Baxter (student)" userId="b45e9002-b033-421d-a3d9-6d42475e9a3f" providerId="ADAL" clId="{1C999854-05C3-4ED6-AD88-FD76552E7B8C}" dt="2019-10-28T15:35:31.831" v="0" actId="478"/>
+          <ac:chgData name="Andrew Baxter (student)" userId="b45e9002-b033-421d-a3d9-6d42475e9a3f" providerId="ADAL" clId="{1C999854-05C3-4ED6-AD88-FD76552E7B8C}" dt="2019-10-31T11:16:00.778" v="0" actId="478"/>
           <ac:spMkLst>
             <pc:docMk/>
             <pc:sldMk cId="0" sldId="256"/>
             <ac:spMk id="3" creationId="{00000000-0000-0000-0000-000000000000}"/>
+          </ac:spMkLst>
+        </pc:spChg>
+        <pc:spChg chg="del">
+          <ac:chgData name="Andrew Baxter (student)" userId="b45e9002-b033-421d-a3d9-6d42475e9a3f" providerId="ADAL" clId="{1C999854-05C3-4ED6-AD88-FD76552E7B8C}" dt="2019-10-31T11:16:08.010" v="1" actId="478"/>
+          <ac:spMkLst>
+            <pc:docMk/>
+            <pc:sldMk cId="0" sldId="256"/>
+            <ac:spMk id="4" creationId="{00000000-0000-0000-0000-000000000000}"/>
           </ac:spMkLst>
         </pc:spChg>
       </pc:sldChg>
@@ -333,7 +341,7 @@
           <a:p>
             <a:fld id="{6BA5D40C-A8DC-479A-A5D3-E7B4936A184B}" type="datetimeFigureOut">
               <a:rPr lang="en-GB" smtClean="0"/>
-              <a:t>28/10/2019</a:t>
+              <a:t>31/10/2019</a:t>
             </a:fld>
             <a:endParaRPr lang="en-GB"/>
           </a:p>
@@ -503,7 +511,7 @@
           <a:p>
             <a:fld id="{6BA5D40C-A8DC-479A-A5D3-E7B4936A184B}" type="datetimeFigureOut">
               <a:rPr lang="en-GB" smtClean="0"/>
-              <a:t>28/10/2019</a:t>
+              <a:t>31/10/2019</a:t>
             </a:fld>
             <a:endParaRPr lang="en-GB"/>
           </a:p>
@@ -683,7 +691,7 @@
           <a:p>
             <a:fld id="{6BA5D40C-A8DC-479A-A5D3-E7B4936A184B}" type="datetimeFigureOut">
               <a:rPr lang="en-GB" smtClean="0"/>
-              <a:t>28/10/2019</a:t>
+              <a:t>31/10/2019</a:t>
             </a:fld>
             <a:endParaRPr lang="en-GB"/>
           </a:p>
@@ -853,7 +861,7 @@
           <a:p>
             <a:fld id="{6BA5D40C-A8DC-479A-A5D3-E7B4936A184B}" type="datetimeFigureOut">
               <a:rPr lang="en-GB" smtClean="0"/>
-              <a:t>28/10/2019</a:t>
+              <a:t>31/10/2019</a:t>
             </a:fld>
             <a:endParaRPr lang="en-GB"/>
           </a:p>
@@ -1099,7 +1107,7 @@
           <a:p>
             <a:fld id="{6BA5D40C-A8DC-479A-A5D3-E7B4936A184B}" type="datetimeFigureOut">
               <a:rPr lang="en-GB" smtClean="0"/>
-              <a:t>28/10/2019</a:t>
+              <a:t>31/10/2019</a:t>
             </a:fld>
             <a:endParaRPr lang="en-GB"/>
           </a:p>
@@ -1387,7 +1395,7 @@
           <a:p>
             <a:fld id="{6BA5D40C-A8DC-479A-A5D3-E7B4936A184B}" type="datetimeFigureOut">
               <a:rPr lang="en-GB" smtClean="0"/>
-              <a:t>28/10/2019</a:t>
+              <a:t>31/10/2019</a:t>
             </a:fld>
             <a:endParaRPr lang="en-GB"/>
           </a:p>
@@ -1814,7 +1822,7 @@
           <a:p>
             <a:fld id="{6BA5D40C-A8DC-479A-A5D3-E7B4936A184B}" type="datetimeFigureOut">
               <a:rPr lang="en-GB" smtClean="0"/>
-              <a:t>28/10/2019</a:t>
+              <a:t>31/10/2019</a:t>
             </a:fld>
             <a:endParaRPr lang="en-GB"/>
           </a:p>
@@ -1932,7 +1940,7 @@
           <a:p>
             <a:fld id="{6BA5D40C-A8DC-479A-A5D3-E7B4936A184B}" type="datetimeFigureOut">
               <a:rPr lang="en-GB" smtClean="0"/>
-              <a:t>28/10/2019</a:t>
+              <a:t>31/10/2019</a:t>
             </a:fld>
             <a:endParaRPr lang="en-GB"/>
           </a:p>
@@ -2027,7 +2035,7 @@
           <a:p>
             <a:fld id="{6BA5D40C-A8DC-479A-A5D3-E7B4936A184B}" type="datetimeFigureOut">
               <a:rPr lang="en-GB" smtClean="0"/>
-              <a:t>28/10/2019</a:t>
+              <a:t>31/10/2019</a:t>
             </a:fld>
             <a:endParaRPr lang="en-GB"/>
           </a:p>
@@ -2304,7 +2312,7 @@
           <a:p>
             <a:fld id="{6BA5D40C-A8DC-479A-A5D3-E7B4936A184B}" type="datetimeFigureOut">
               <a:rPr lang="en-GB" smtClean="0"/>
-              <a:t>28/10/2019</a:t>
+              <a:t>31/10/2019</a:t>
             </a:fld>
             <a:endParaRPr lang="en-GB"/>
           </a:p>
@@ -2557,7 +2565,7 @@
           <a:p>
             <a:fld id="{6BA5D40C-A8DC-479A-A5D3-E7B4936A184B}" type="datetimeFigureOut">
               <a:rPr lang="en-GB" smtClean="0"/>
-              <a:t>28/10/2019</a:t>
+              <a:t>31/10/2019</a:t>
             </a:fld>
             <a:endParaRPr lang="en-GB"/>
           </a:p>
@@ -2770,7 +2778,7 @@
           <a:p>
             <a:fld id="{6BA5D40C-A8DC-479A-A5D3-E7B4936A184B}" type="datetimeFigureOut">
               <a:rPr lang="en-GB" smtClean="0"/>
-              <a:t>28/10/2019</a:t>
+              <a:t>31/10/2019</a:t>
             </a:fld>
             <a:endParaRPr lang="en-GB"/>
           </a:p>
@@ -3153,22 +3161,22 @@
         </p:nvGrpSpPr>
         <p:grpSpPr>
           <a:xfrm>
-            <a:off x="2589152" y="1561960"/>
-            <a:ext cx="2289046" cy="2159761"/>
-            <a:chOff x="2589152" y="1561960"/>
-            <a:chExt cx="2289046" cy="2159761"/>
+            <a:off x="3027302" y="1671688"/>
+            <a:ext cx="1462852" cy="1940305"/>
+            <a:chOff x="3027302" y="1671688"/>
+            <a:chExt cx="1462852" cy="1940305"/>
           </a:xfrm>
         </p:grpSpPr>
         <p:sp>
           <p:nvSpPr>
-            <p:cNvPr id="4" name="tx4"/>
+            <p:cNvPr id="5" name="tx5"/>
             <p:cNvSpPr/>
             <p:nvPr/>
           </p:nvSpPr>
           <p:spPr>
             <a:xfrm>
-              <a:off x="2589152" y="1561960"/>
-              <a:ext cx="698909" cy="131105"/>
+              <a:off x="3027302" y="1671688"/>
+              <a:ext cx="986153" cy="131105"/>
             </a:xfrm>
             <a:prstGeom prst="rect">
               <a:avLst/>
@@ -3193,52 +3201,15 @@
               <a:r>
                 <a:rPr sz="1100">
                   <a:solidFill>
-                    <a:srgbClr val="000000">
+                    <a:srgbClr val="FFFFFF">
                       <a:alpha val="100000"/>
                     </a:srgbClr>
                   </a:solidFill>
                   <a:latin typeface="Arial"/>
                   <a:cs typeface="Arial"/>
                 </a:rPr>
-                <a:t>Study type:</a:t>
+                <a:t>Type of citation:</a:t>
               </a:r>
-            </a:p>
-          </p:txBody>
-        </p:sp>
-        <p:sp>
-          <p:nvSpPr>
-            <p:cNvPr id="5" name="pt5"/>
-            <p:cNvSpPr/>
-            <p:nvPr/>
-          </p:nvSpPr>
-          <p:spPr>
-            <a:xfrm>
-              <a:off x="2626627" y="1821567"/>
-              <a:ext cx="144506" cy="144506"/>
-            </a:xfrm>
-            <a:prstGeom prst="ellipse">
-              <a:avLst/>
-            </a:prstGeom>
-            <a:solidFill>
-              <a:srgbClr val="00A84C">
-                <a:alpha val="100000"/>
-              </a:srgbClr>
-            </a:solidFill>
-            <a:ln w="9000" cap="rnd">
-              <a:solidFill>
-                <a:srgbClr val="00A84C">
-                  <a:alpha val="100000"/>
-                </a:srgbClr>
-              </a:solidFill>
-              <a:prstDash val="solid"/>
-              <a:round/>
-            </a:ln>
-          </p:spPr>
-          <p:txBody>
-            <a:bodyPr/>
-            <a:lstStyle/>
-            <a:p>
-              <a:endParaRPr/>
             </a:p>
           </p:txBody>
         </p:sp>
@@ -3250,20 +3221,20 @@
           </p:nvSpPr>
           <p:spPr>
             <a:xfrm>
-              <a:off x="2626627" y="2041023"/>
+              <a:off x="3064777" y="1931295"/>
               <a:ext cx="144506" cy="144506"/>
             </a:xfrm>
             <a:prstGeom prst="ellipse">
               <a:avLst/>
             </a:prstGeom>
             <a:solidFill>
-              <a:srgbClr val="00FFFF">
+              <a:srgbClr val="FE9D00">
                 <a:alpha val="100000"/>
               </a:srgbClr>
             </a:solidFill>
             <a:ln w="9000" cap="rnd">
               <a:solidFill>
-                <a:srgbClr val="00FFFF">
+                <a:srgbClr val="FE9D00">
                   <a:alpha val="100000"/>
                 </a:srgbClr>
               </a:solidFill>
@@ -3287,7 +3258,7 @@
           </p:nvSpPr>
           <p:spPr>
             <a:xfrm>
-              <a:off x="2626627" y="2260479"/>
+              <a:off x="3064777" y="2150751"/>
               <a:ext cx="144506" cy="144506"/>
             </a:xfrm>
             <a:prstGeom prst="ellipse">
@@ -3324,7 +3295,155 @@
           </p:nvSpPr>
           <p:spPr>
             <a:xfrm>
-              <a:off x="2626627" y="2479935"/>
+              <a:off x="3064777" y="2370207"/>
+              <a:ext cx="144506" cy="144506"/>
+            </a:xfrm>
+            <a:prstGeom prst="ellipse">
+              <a:avLst/>
+            </a:prstGeom>
+            <a:solidFill>
+              <a:srgbClr val="00A84C">
+                <a:alpha val="100000"/>
+              </a:srgbClr>
+            </a:solidFill>
+            <a:ln w="9000" cap="rnd">
+              <a:solidFill>
+                <a:srgbClr val="00A84C">
+                  <a:alpha val="100000"/>
+                </a:srgbClr>
+              </a:solidFill>
+              <a:prstDash val="solid"/>
+              <a:round/>
+            </a:ln>
+          </p:spPr>
+          <p:txBody>
+            <a:bodyPr/>
+            <a:lstStyle/>
+            <a:p>
+              <a:endParaRPr/>
+            </a:p>
+          </p:txBody>
+        </p:sp>
+        <p:sp>
+          <p:nvSpPr>
+            <p:cNvPr id="9" name="pt9"/>
+            <p:cNvSpPr/>
+            <p:nvPr/>
+          </p:nvSpPr>
+          <p:spPr>
+            <a:xfrm>
+              <a:off x="3064777" y="2589663"/>
+              <a:ext cx="144506" cy="144506"/>
+            </a:xfrm>
+            <a:prstGeom prst="ellipse">
+              <a:avLst/>
+            </a:prstGeom>
+            <a:solidFill>
+              <a:srgbClr val="00FFFF">
+                <a:alpha val="100000"/>
+              </a:srgbClr>
+            </a:solidFill>
+            <a:ln w="9000" cap="rnd">
+              <a:solidFill>
+                <a:srgbClr val="00FFFF">
+                  <a:alpha val="100000"/>
+                </a:srgbClr>
+              </a:solidFill>
+              <a:prstDash val="solid"/>
+              <a:round/>
+            </a:ln>
+          </p:spPr>
+          <p:txBody>
+            <a:bodyPr/>
+            <a:lstStyle/>
+            <a:p>
+              <a:endParaRPr/>
+            </a:p>
+          </p:txBody>
+        </p:sp>
+        <p:sp>
+          <p:nvSpPr>
+            <p:cNvPr id="10" name="pt10"/>
+            <p:cNvSpPr/>
+            <p:nvPr/>
+          </p:nvSpPr>
+          <p:spPr>
+            <a:xfrm>
+              <a:off x="3064777" y="2809119"/>
+              <a:ext cx="144506" cy="144506"/>
+            </a:xfrm>
+            <a:prstGeom prst="ellipse">
+              <a:avLst/>
+            </a:prstGeom>
+            <a:solidFill>
+              <a:srgbClr val="7FFF00">
+                <a:alpha val="100000"/>
+              </a:srgbClr>
+            </a:solidFill>
+            <a:ln w="9000" cap="rnd">
+              <a:solidFill>
+                <a:srgbClr val="7FFF00">
+                  <a:alpha val="100000"/>
+                </a:srgbClr>
+              </a:solidFill>
+              <a:prstDash val="solid"/>
+              <a:round/>
+            </a:ln>
+          </p:spPr>
+          <p:txBody>
+            <a:bodyPr/>
+            <a:lstStyle/>
+            <a:p>
+              <a:endParaRPr/>
+            </a:p>
+          </p:txBody>
+        </p:sp>
+        <p:sp>
+          <p:nvSpPr>
+            <p:cNvPr id="11" name="pt11"/>
+            <p:cNvSpPr/>
+            <p:nvPr/>
+          </p:nvSpPr>
+          <p:spPr>
+            <a:xfrm>
+              <a:off x="3064777" y="3028575"/>
+              <a:ext cx="144506" cy="144506"/>
+            </a:xfrm>
+            <a:prstGeom prst="ellipse">
+              <a:avLst/>
+            </a:prstGeom>
+            <a:solidFill>
+              <a:srgbClr val="9D5524">
+                <a:alpha val="100000"/>
+              </a:srgbClr>
+            </a:solidFill>
+            <a:ln w="9000" cap="rnd">
+              <a:solidFill>
+                <a:srgbClr val="9D5524">
+                  <a:alpha val="100000"/>
+                </a:srgbClr>
+              </a:solidFill>
+              <a:prstDash val="solid"/>
+              <a:round/>
+            </a:ln>
+          </p:spPr>
+          <p:txBody>
+            <a:bodyPr/>
+            <a:lstStyle/>
+            <a:p>
+              <a:endParaRPr/>
+            </a:p>
+          </p:txBody>
+        </p:sp>
+        <p:sp>
+          <p:nvSpPr>
+            <p:cNvPr id="12" name="pt12"/>
+            <p:cNvSpPr/>
+            <p:nvPr/>
+          </p:nvSpPr>
+          <p:spPr>
+            <a:xfrm>
+              <a:off x="3064777" y="3248031"/>
               <a:ext cx="144506" cy="144506"/>
             </a:xfrm>
             <a:prstGeom prst="ellipse">
@@ -3355,50 +3474,13 @@
         </p:sp>
         <p:sp>
           <p:nvSpPr>
-            <p:cNvPr id="9" name="pt9"/>
+            <p:cNvPr id="13" name="pt13"/>
             <p:cNvSpPr/>
             <p:nvPr/>
           </p:nvSpPr>
           <p:spPr>
             <a:xfrm>
-              <a:off x="2626627" y="2699391"/>
-              <a:ext cx="144506" cy="144506"/>
-            </a:xfrm>
-            <a:prstGeom prst="ellipse">
-              <a:avLst/>
-            </a:prstGeom>
-            <a:solidFill>
-              <a:srgbClr val="9D5524">
-                <a:alpha val="100000"/>
-              </a:srgbClr>
-            </a:solidFill>
-            <a:ln w="9000" cap="rnd">
-              <a:solidFill>
-                <a:srgbClr val="9D5524">
-                  <a:alpha val="100000"/>
-                </a:srgbClr>
-              </a:solidFill>
-              <a:prstDash val="solid"/>
-              <a:round/>
-            </a:ln>
-          </p:spPr>
-          <p:txBody>
-            <a:bodyPr/>
-            <a:lstStyle/>
-            <a:p>
-              <a:endParaRPr/>
-            </a:p>
-          </p:txBody>
-        </p:sp>
-        <p:sp>
-          <p:nvSpPr>
-            <p:cNvPr id="10" name="pt10"/>
-            <p:cNvSpPr/>
-            <p:nvPr/>
-          </p:nvSpPr>
-          <p:spPr>
-            <a:xfrm>
-              <a:off x="2626627" y="2918847"/>
+              <a:off x="3064777" y="3467487"/>
               <a:ext cx="144506" cy="144506"/>
             </a:xfrm>
             <a:prstGeom prst="ellipse">
@@ -3429,124 +3511,105 @@
         </p:sp>
         <p:sp>
           <p:nvSpPr>
-            <p:cNvPr id="11" name="pt11"/>
-            <p:cNvSpPr/>
-            <p:nvPr/>
-          </p:nvSpPr>
-          <p:spPr>
-            <a:xfrm>
-              <a:off x="2626627" y="3138303"/>
-              <a:ext cx="144506" cy="144506"/>
-            </a:xfrm>
-            <a:prstGeom prst="ellipse">
-              <a:avLst/>
-            </a:prstGeom>
-            <a:solidFill>
-              <a:srgbClr val="7FFF00">
-                <a:alpha val="100000"/>
-              </a:srgbClr>
-            </a:solidFill>
-            <a:ln w="9000" cap="rnd">
-              <a:solidFill>
-                <a:srgbClr val="7FFF00">
-                  <a:alpha val="100000"/>
-                </a:srgbClr>
-              </a:solidFill>
-              <a:prstDash val="solid"/>
-              <a:round/>
-            </a:ln>
-          </p:spPr>
-          <p:txBody>
-            <a:bodyPr/>
-            <a:lstStyle/>
-            <a:p>
-              <a:endParaRPr/>
-            </a:p>
-          </p:txBody>
-        </p:sp>
-        <p:sp>
-          <p:nvSpPr>
-            <p:cNvPr id="12" name="pt12"/>
-            <p:cNvSpPr/>
-            <p:nvPr/>
-          </p:nvSpPr>
-          <p:spPr>
-            <a:xfrm>
-              <a:off x="2626627" y="3357759"/>
-              <a:ext cx="144506" cy="144506"/>
-            </a:xfrm>
-            <a:prstGeom prst="ellipse">
-              <a:avLst/>
-            </a:prstGeom>
-            <a:solidFill>
-              <a:srgbClr val="FE9D00">
-                <a:alpha val="100000"/>
-              </a:srgbClr>
-            </a:solidFill>
-            <a:ln w="9000" cap="rnd">
-              <a:solidFill>
-                <a:srgbClr val="FE9D00">
-                  <a:alpha val="100000"/>
-                </a:srgbClr>
-              </a:solidFill>
-              <a:prstDash val="solid"/>
-              <a:round/>
-            </a:ln>
-          </p:spPr>
-          <p:txBody>
-            <a:bodyPr/>
-            <a:lstStyle/>
-            <a:p>
-              <a:endParaRPr/>
-            </a:p>
-          </p:txBody>
-        </p:sp>
-        <p:sp>
-          <p:nvSpPr>
-            <p:cNvPr id="13" name="pt13"/>
-            <p:cNvSpPr/>
-            <p:nvPr/>
-          </p:nvSpPr>
-          <p:spPr>
-            <a:xfrm>
-              <a:off x="2626627" y="3577215"/>
-              <a:ext cx="144506" cy="144506"/>
-            </a:xfrm>
-            <a:prstGeom prst="ellipse">
-              <a:avLst/>
-            </a:prstGeom>
-            <a:solidFill>
-              <a:srgbClr val="FFDC36">
-                <a:alpha val="100000"/>
-              </a:srgbClr>
-            </a:solidFill>
-            <a:ln w="9000" cap="rnd">
-              <a:solidFill>
-                <a:srgbClr val="FFDC36">
-                  <a:alpha val="100000"/>
-                </a:srgbClr>
-              </a:solidFill>
-              <a:prstDash val="solid"/>
-              <a:round/>
-            </a:ln>
-          </p:spPr>
-          <p:txBody>
-            <a:bodyPr/>
-            <a:lstStyle/>
-            <a:p>
-              <a:endParaRPr/>
-            </a:p>
-          </p:txBody>
-        </p:sp>
-        <p:sp>
-          <p:nvSpPr>
             <p:cNvPr id="14" name="tx14"/>
             <p:cNvSpPr/>
             <p:nvPr/>
           </p:nvSpPr>
           <p:spPr>
             <a:xfrm>
-              <a:off x="2878197" y="1828936"/>
+              <a:off x="3316347" y="1938664"/>
+              <a:ext cx="763984" cy="104884"/>
+            </a:xfrm>
+            <a:prstGeom prst="rect">
+              <a:avLst/>
+            </a:prstGeom>
+            <a:noFill/>
+          </p:spPr>
+          <p:txBody>
+            <a:bodyPr wrap="none" lIns="0" tIns="0" rIns="0" bIns="0" anchor="ctr" anchorCtr="1"/>
+            <a:lstStyle/>
+            <a:p>
+              <a:pPr marL="0" marR="0" indent="0" algn="l">
+                <a:lnSpc>
+                  <a:spcPts val="880"/>
+                </a:lnSpc>
+                <a:spcBef>
+                  <a:spcPts val="0"/>
+                </a:spcBef>
+                <a:spcAft>
+                  <a:spcPts val="0"/>
+                </a:spcAft>
+              </a:pPr>
+              <a:r>
+                <a:rPr sz="880">
+                  <a:solidFill>
+                    <a:srgbClr val="FFFFFF">
+                      <a:alpha val="100000"/>
+                    </a:srgbClr>
+                  </a:solidFill>
+                  <a:latin typeface="Arial"/>
+                  <a:cs typeface="Arial"/>
+                </a:rPr>
+                <a:t>Toxicology (32)</a:t>
+              </a:r>
+            </a:p>
+          </p:txBody>
+        </p:sp>
+        <p:sp>
+          <p:nvSpPr>
+            <p:cNvPr id="15" name="tx15"/>
+            <p:cNvSpPr/>
+            <p:nvPr/>
+          </p:nvSpPr>
+          <p:spPr>
+            <a:xfrm>
+              <a:off x="3316347" y="2158120"/>
+              <a:ext cx="1130751" cy="104884"/>
+            </a:xfrm>
+            <a:prstGeom prst="rect">
+              <a:avLst/>
+            </a:prstGeom>
+            <a:noFill/>
+          </p:spPr>
+          <p:txBody>
+            <a:bodyPr wrap="none" lIns="0" tIns="0" rIns="0" bIns="0" anchor="ctr" anchorCtr="1"/>
+            <a:lstStyle/>
+            <a:p>
+              <a:pPr marL="0" marR="0" indent="0" algn="l">
+                <a:lnSpc>
+                  <a:spcPts val="880"/>
+                </a:lnSpc>
+                <a:spcBef>
+                  <a:spcPts val="0"/>
+                </a:spcBef>
+                <a:spcAft>
+                  <a:spcPts val="0"/>
+                </a:spcAft>
+              </a:pPr>
+              <a:r>
+                <a:rPr sz="880">
+                  <a:solidFill>
+                    <a:srgbClr val="FFFFFF">
+                      <a:alpha val="100000"/>
+                    </a:srgbClr>
+                  </a:solidFill>
+                  <a:latin typeface="Arial"/>
+                  <a:cs typeface="Arial"/>
+                </a:rPr>
+                <a:t>Longitudinal study (19)</a:t>
+              </a:r>
+            </a:p>
+          </p:txBody>
+        </p:sp>
+        <p:sp>
+          <p:nvSpPr>
+            <p:cNvPr id="16" name="tx16"/>
+            <p:cNvSpPr/>
+            <p:nvPr/>
+          </p:nvSpPr>
+          <p:spPr>
+            <a:xfrm>
+              <a:off x="3316347" y="2377576"/>
               <a:ext cx="999946" cy="104884"/>
             </a:xfrm>
             <a:prstGeom prst="rect">
@@ -3572,7 +3635,7 @@
               <a:r>
                 <a:rPr sz="880">
                   <a:solidFill>
-                    <a:srgbClr val="000000">
+                    <a:srgbClr val="FFFFFF">
                       <a:alpha val="100000"/>
                     </a:srgbClr>
                   </a:solidFill>
@@ -3586,13 +3649,13 @@
         </p:sp>
         <p:sp>
           <p:nvSpPr>
-            <p:cNvPr id="15" name="tx15"/>
+            <p:cNvPr id="17" name="tx17"/>
             <p:cNvSpPr/>
             <p:nvPr/>
           </p:nvSpPr>
           <p:spPr>
             <a:xfrm>
-              <a:off x="2878197" y="2048392"/>
+              <a:off x="3316347" y="2597032"/>
               <a:ext cx="1055935" cy="104884"/>
             </a:xfrm>
             <a:prstGeom prst="rect">
@@ -3618,7 +3681,7 @@
               <a:r>
                 <a:rPr sz="880">
                   <a:solidFill>
-                    <a:srgbClr val="000000">
+                    <a:srgbClr val="FFFFFF">
                       <a:alpha val="100000"/>
                     </a:srgbClr>
                   </a:solidFill>
@@ -3632,14 +3695,14 @@
         </p:sp>
         <p:sp>
           <p:nvSpPr>
-            <p:cNvPr id="16" name="tx16"/>
+            <p:cNvPr id="18" name="tx18"/>
             <p:cNvSpPr/>
             <p:nvPr/>
           </p:nvSpPr>
           <p:spPr>
             <a:xfrm>
-              <a:off x="2878197" y="2267848"/>
-              <a:ext cx="1130751" cy="104884"/>
+              <a:off x="3316347" y="2816488"/>
+              <a:ext cx="1173807" cy="104884"/>
             </a:xfrm>
             <a:prstGeom prst="rect">
               <a:avLst/>
@@ -3664,73 +3727,27 @@
               <a:r>
                 <a:rPr sz="880">
                   <a:solidFill>
-                    <a:srgbClr val="000000">
+                    <a:srgbClr val="FFFFFF">
                       <a:alpha val="100000"/>
                     </a:srgbClr>
                   </a:solidFill>
                   <a:latin typeface="Arial"/>
                   <a:cs typeface="Arial"/>
                 </a:rPr>
-                <a:t>Longitudinal study (19)</a:t>
+                <a:t>Systematic Review (13)</a:t>
               </a:r>
             </a:p>
           </p:txBody>
         </p:sp>
         <p:sp>
           <p:nvSpPr>
-            <p:cNvPr id="17" name="tx17"/>
+            <p:cNvPr id="19" name="tx19"/>
             <p:cNvSpPr/>
             <p:nvPr/>
           </p:nvSpPr>
           <p:spPr>
             <a:xfrm>
-              <a:off x="2878197" y="2487304"/>
-              <a:ext cx="465757" cy="104884"/>
-            </a:xfrm>
-            <a:prstGeom prst="rect">
-              <a:avLst/>
-            </a:prstGeom>
-            <a:noFill/>
-          </p:spPr>
-          <p:txBody>
-            <a:bodyPr wrap="none" lIns="0" tIns="0" rIns="0" bIns="0" anchor="ctr" anchorCtr="1"/>
-            <a:lstStyle/>
-            <a:p>
-              <a:pPr marL="0" marR="0" indent="0" algn="l">
-                <a:lnSpc>
-                  <a:spcPts val="880"/>
-                </a:lnSpc>
-                <a:spcBef>
-                  <a:spcPts val="0"/>
-                </a:spcBef>
-                <a:spcAft>
-                  <a:spcPts val="0"/>
-                </a:spcAft>
-              </a:pPr>
-              <a:r>
-                <a:rPr sz="880">
-                  <a:solidFill>
-                    <a:srgbClr val="000000">
-                      <a:alpha val="100000"/>
-                    </a:srgbClr>
-                  </a:solidFill>
-                  <a:latin typeface="Arial"/>
-                  <a:cs typeface="Arial"/>
-                </a:rPr>
-                <a:t>Policy (2)</a:t>
-              </a:r>
-            </a:p>
-          </p:txBody>
-        </p:sp>
-        <p:sp>
-          <p:nvSpPr>
-            <p:cNvPr id="18" name="tx18"/>
-            <p:cNvSpPr/>
-            <p:nvPr/>
-          </p:nvSpPr>
-          <p:spPr>
-            <a:xfrm>
-              <a:off x="2878197" y="2706760"/>
+              <a:off x="3316347" y="3035944"/>
               <a:ext cx="397326" cy="104884"/>
             </a:xfrm>
             <a:prstGeom prst="rect">
@@ -3756,7 +3773,7 @@
               <a:r>
                 <a:rPr sz="880">
                   <a:solidFill>
-                    <a:srgbClr val="000000">
+                    <a:srgbClr val="FFFFFF">
                       <a:alpha val="100000"/>
                     </a:srgbClr>
                   </a:solidFill>
@@ -3770,13 +3787,59 @@
         </p:sp>
         <p:sp>
           <p:nvSpPr>
-            <p:cNvPr id="19" name="tx19"/>
+            <p:cNvPr id="20" name="tx20"/>
             <p:cNvSpPr/>
             <p:nvPr/>
           </p:nvSpPr>
           <p:spPr>
             <a:xfrm>
-              <a:off x="2878197" y="2926216"/>
+              <a:off x="3316347" y="3255400"/>
+              <a:ext cx="987613" cy="104884"/>
+            </a:xfrm>
+            <a:prstGeom prst="rect">
+              <a:avLst/>
+            </a:prstGeom>
+            <a:noFill/>
+          </p:spPr>
+          <p:txBody>
+            <a:bodyPr wrap="none" lIns="0" tIns="0" rIns="0" bIns="0" anchor="ctr" anchorCtr="1"/>
+            <a:lstStyle/>
+            <a:p>
+              <a:pPr marL="0" marR="0" indent="0" algn="l">
+                <a:lnSpc>
+                  <a:spcPts val="880"/>
+                </a:lnSpc>
+                <a:spcBef>
+                  <a:spcPts val="0"/>
+                </a:spcBef>
+                <a:spcAft>
+                  <a:spcPts val="0"/>
+                </a:spcAft>
+              </a:pPr>
+              <a:r>
+                <a:rPr sz="880">
+                  <a:solidFill>
+                    <a:srgbClr val="FFFFFF">
+                      <a:alpha val="100000"/>
+                    </a:srgbClr>
+                  </a:solidFill>
+                  <a:latin typeface="Arial"/>
+                  <a:cs typeface="Arial"/>
+                </a:rPr>
+                <a:t>Policy document (2)</a:t>
+              </a:r>
+            </a:p>
+          </p:txBody>
+        </p:sp>
+        <p:sp>
+          <p:nvSpPr>
+            <p:cNvPr id="21" name="tx21"/>
+            <p:cNvSpPr/>
+            <p:nvPr/>
+          </p:nvSpPr>
+          <p:spPr>
+            <a:xfrm>
+              <a:off x="3316347" y="3474856"/>
               <a:ext cx="689441" cy="104884"/>
             </a:xfrm>
             <a:prstGeom prst="rect">
@@ -3802,7 +3865,7 @@
               <a:r>
                 <a:rPr sz="880">
                   <a:solidFill>
-                    <a:srgbClr val="000000">
+                    <a:srgbClr val="FFFFFF">
                       <a:alpha val="100000"/>
                     </a:srgbClr>
                   </a:solidFill>
@@ -3810,144 +3873,6 @@
                   <a:cs typeface="Arial"/>
                 </a:rPr>
                 <a:t>Simulation (1)</a:t>
-              </a:r>
-            </a:p>
-          </p:txBody>
-        </p:sp>
-        <p:sp>
-          <p:nvSpPr>
-            <p:cNvPr id="20" name="tx20"/>
-            <p:cNvSpPr/>
-            <p:nvPr/>
-          </p:nvSpPr>
-          <p:spPr>
-            <a:xfrm>
-              <a:off x="2878197" y="3145672"/>
-              <a:ext cx="1130314" cy="104884"/>
-            </a:xfrm>
-            <a:prstGeom prst="rect">
-              <a:avLst/>
-            </a:prstGeom>
-            <a:noFill/>
-          </p:spPr>
-          <p:txBody>
-            <a:bodyPr wrap="none" lIns="0" tIns="0" rIns="0" bIns="0" anchor="ctr" anchorCtr="1"/>
-            <a:lstStyle/>
-            <a:p>
-              <a:pPr marL="0" marR="0" indent="0" algn="l">
-                <a:lnSpc>
-                  <a:spcPts val="880"/>
-                </a:lnSpc>
-                <a:spcBef>
-                  <a:spcPts val="0"/>
-                </a:spcBef>
-                <a:spcAft>
-                  <a:spcPts val="0"/>
-                </a:spcAft>
-              </a:pPr>
-              <a:r>
-                <a:rPr sz="880">
-                  <a:solidFill>
-                    <a:srgbClr val="000000">
-                      <a:alpha val="100000"/>
-                    </a:srgbClr>
-                  </a:solidFill>
-                  <a:latin typeface="Arial"/>
-                  <a:cs typeface="Arial"/>
-                </a:rPr>
-                <a:t>Systematic review (12)</a:t>
-              </a:r>
-            </a:p>
-          </p:txBody>
-        </p:sp>
-        <p:sp>
-          <p:nvSpPr>
-            <p:cNvPr id="21" name="tx21"/>
-            <p:cNvSpPr/>
-            <p:nvPr/>
-          </p:nvSpPr>
-          <p:spPr>
-            <a:xfrm>
-              <a:off x="2878197" y="3365128"/>
-              <a:ext cx="2000001" cy="104884"/>
-            </a:xfrm>
-            <a:prstGeom prst="rect">
-              <a:avLst/>
-            </a:prstGeom>
-            <a:noFill/>
-          </p:spPr>
-          <p:txBody>
-            <a:bodyPr wrap="none" lIns="0" tIns="0" rIns="0" bIns="0" anchor="ctr" anchorCtr="1"/>
-            <a:lstStyle/>
-            <a:p>
-              <a:pPr marL="0" marR="0" indent="0" algn="l">
-                <a:lnSpc>
-                  <a:spcPts val="880"/>
-                </a:lnSpc>
-                <a:spcBef>
-                  <a:spcPts val="0"/>
-                </a:spcBef>
-                <a:spcAft>
-                  <a:spcPts val="0"/>
-                </a:spcAft>
-              </a:pPr>
-              <a:r>
-                <a:rPr sz="880">
-                  <a:solidFill>
-                    <a:srgbClr val="000000">
-                      <a:alpha val="100000"/>
-                    </a:srgbClr>
-                  </a:solidFill>
-                  <a:latin typeface="Arial"/>
-                  <a:cs typeface="Arial"/>
-                </a:rPr>
-                <a:t>Systematic review and meta analysis (1)</a:t>
-              </a:r>
-            </a:p>
-          </p:txBody>
-        </p:sp>
-        <p:sp>
-          <p:nvSpPr>
-            <p:cNvPr id="22" name="tx22"/>
-            <p:cNvSpPr/>
-            <p:nvPr/>
-          </p:nvSpPr>
-          <p:spPr>
-            <a:xfrm>
-              <a:off x="2878197" y="3584584"/>
-              <a:ext cx="763984" cy="104884"/>
-            </a:xfrm>
-            <a:prstGeom prst="rect">
-              <a:avLst/>
-            </a:prstGeom>
-            <a:noFill/>
-          </p:spPr>
-          <p:txBody>
-            <a:bodyPr wrap="none" lIns="0" tIns="0" rIns="0" bIns="0" anchor="ctr" anchorCtr="1"/>
-            <a:lstStyle/>
-            <a:p>
-              <a:pPr marL="0" marR="0" indent="0" algn="l">
-                <a:lnSpc>
-                  <a:spcPts val="880"/>
-                </a:lnSpc>
-                <a:spcBef>
-                  <a:spcPts val="0"/>
-                </a:spcBef>
-                <a:spcAft>
-                  <a:spcPts val="0"/>
-                </a:spcAft>
-              </a:pPr>
-              <a:r>
-                <a:rPr sz="880">
-                  <a:solidFill>
-                    <a:srgbClr val="000000">
-                      <a:alpha val="100000"/>
-                    </a:srgbClr>
-                  </a:solidFill>
-                  <a:latin typeface="Arial"/>
-                  <a:cs typeface="Arial"/>
-                </a:rPr>
-                <a:t>Toxicology (32)</a:t>
               </a:r>
             </a:p>
           </p:txBody>
